--- a/docs/squadup.erd.pptx
+++ b/docs/squadup.erd.pptx
@@ -12,6 +12,7 @@
     <p:sldId id="262" r:id="rId6"/>
     <p:sldId id="259" r:id="rId7"/>
     <p:sldId id="258" r:id="rId8"/>
+    <p:sldId id="263" r:id="rId9"/>
   </p:sldIdLst>
   <p:sldSz cx="12192000" cy="6858000"/>
   <p:notesSz cx="6858000" cy="9144000"/>
@@ -392,7 +393,7 @@
           <a:p>
             <a:fld id="{78ABE3C1-DBE1-495D-B57B-2849774B866A}" type="datetimeFigureOut">
               <a:rPr lang="en-US" dirty="0"/>
-              <a:t>11/4/18</a:t>
+              <a:t>12/3/18</a:t>
             </a:fld>
             <a:endParaRPr lang="en-US" dirty="0"/>
           </a:p>
@@ -801,7 +802,7 @@
           <a:p>
             <a:fld id="{446C117F-5CCF-4837-BE5F-2B92066CAFAF}" type="datetimeFigureOut">
               <a:rPr lang="en-US" dirty="0"/>
-              <a:t>11/4/18</a:t>
+              <a:t>12/3/18</a:t>
             </a:fld>
             <a:endParaRPr lang="en-US" dirty="0"/>
           </a:p>
@@ -1132,7 +1133,7 @@
           <a:p>
             <a:fld id="{84EB90BD-B6CE-46B7-997F-7313B992CCDC}" type="datetimeFigureOut">
               <a:rPr lang="en-US" dirty="0"/>
-              <a:t>11/4/18</a:t>
+              <a:t>12/3/18</a:t>
             </a:fld>
             <a:endParaRPr lang="en-US" dirty="0"/>
           </a:p>
@@ -1532,7 +1533,7 @@
           <a:p>
             <a:fld id="{CDB9D11F-B188-461D-B23F-39381795C052}" type="datetimeFigureOut">
               <a:rPr lang="en-US" dirty="0"/>
-              <a:t>11/4/18</a:t>
+              <a:t>12/3/18</a:t>
             </a:fld>
             <a:endParaRPr lang="en-US" dirty="0"/>
           </a:p>
@@ -2095,7 +2096,7 @@
           <a:p>
             <a:fld id="{52E6D8D9-55A2-4063-B0F3-121F44549695}" type="datetimeFigureOut">
               <a:rPr lang="en-US" dirty="0"/>
-              <a:t>11/4/18</a:t>
+              <a:t>12/3/18</a:t>
             </a:fld>
             <a:endParaRPr lang="en-US" dirty="0"/>
           </a:p>
@@ -2771,7 +2772,7 @@
           <a:p>
             <a:fld id="{D4B24536-994D-4021-A283-9F449C0DB509}" type="datetimeFigureOut">
               <a:rPr lang="en-US" dirty="0"/>
-              <a:t>11/4/18</a:t>
+              <a:t>12/3/18</a:t>
             </a:fld>
             <a:endParaRPr lang="en-US" dirty="0"/>
           </a:p>
@@ -3679,7 +3680,7 @@
           <a:p>
             <a:fld id="{3CBBBB78-C96F-47B7-AB17-D852CA960AC9}" type="datetimeFigureOut">
               <a:rPr lang="en-US" dirty="0"/>
-              <a:t>11/4/18</a:t>
+              <a:t>12/3/18</a:t>
             </a:fld>
             <a:endParaRPr lang="en-US" dirty="0"/>
           </a:p>
@@ -3987,7 +3988,7 @@
           <a:p>
             <a:fld id="{1FA3F48C-C7C6-4055-9F49-3777875E72AE}" type="datetimeFigureOut">
               <a:rPr lang="en-US" dirty="0"/>
-              <a:t>11/4/18</a:t>
+              <a:t>12/3/18</a:t>
             </a:fld>
             <a:endParaRPr lang="en-US" dirty="0"/>
           </a:p>
@@ -4246,7 +4247,7 @@
           <a:p>
             <a:fld id="{6178E61D-D431-422C-9764-11DAFE33AB63}" type="datetimeFigureOut">
               <a:rPr lang="en-US" dirty="0"/>
-              <a:t>11/4/18</a:t>
+              <a:t>12/3/18</a:t>
             </a:fld>
             <a:endParaRPr lang="en-US" dirty="0"/>
           </a:p>
@@ -4565,7 +4566,7 @@
           <a:p>
             <a:fld id="{12DE42F4-6EEF-4EF7-8ED4-2208F0F89A08}" type="datetimeFigureOut">
               <a:rPr lang="en-US" dirty="0"/>
-              <a:t>11/4/18</a:t>
+              <a:t>12/3/18</a:t>
             </a:fld>
             <a:endParaRPr lang="en-US" dirty="0"/>
           </a:p>
@@ -4949,7 +4950,7 @@
           <a:p>
             <a:fld id="{30578ACC-22D6-47C1-A373-4FD133E34F3C}" type="datetimeFigureOut">
               <a:rPr lang="en-US" dirty="0"/>
-              <a:t>11/4/18</a:t>
+              <a:t>12/3/18</a:t>
             </a:fld>
             <a:endParaRPr lang="en-US" dirty="0"/>
           </a:p>
@@ -5320,7 +5321,7 @@
           <a:p>
             <a:fld id="{4E5A6C69-6797-4E8A-BF37-F2C3751466E9}" type="datetimeFigureOut">
               <a:rPr lang="en-US" dirty="0"/>
-              <a:t>11/4/18</a:t>
+              <a:t>12/3/18</a:t>
             </a:fld>
             <a:endParaRPr lang="en-US" dirty="0"/>
           </a:p>
@@ -5821,7 +5822,7 @@
           <a:p>
             <a:fld id="{D82014A1-A632-4878-A0D3-F52BA7563730}" type="datetimeFigureOut">
               <a:rPr lang="en-US" dirty="0"/>
-              <a:t>11/4/18</a:t>
+              <a:t>12/3/18</a:t>
             </a:fld>
             <a:endParaRPr lang="en-US" dirty="0"/>
           </a:p>
@@ -6073,7 +6074,7 @@
           <a:p>
             <a:fld id="{CE99F462-093F-4566-844B-4C71F2739DA5}" type="datetimeFigureOut">
               <a:rPr lang="en-US" dirty="0"/>
-              <a:t>11/4/18</a:t>
+              <a:t>12/3/18</a:t>
             </a:fld>
             <a:endParaRPr lang="en-US" dirty="0"/>
           </a:p>
@@ -6231,7 +6232,7 @@
           <a:p>
             <a:fld id="{3D24A7AC-904D-4781-85BA-7D10C17ED021}" type="datetimeFigureOut">
               <a:rPr lang="en-US" dirty="0"/>
-              <a:t>11/4/18</a:t>
+              <a:t>12/3/18</a:t>
             </a:fld>
             <a:endParaRPr lang="en-US" dirty="0"/>
           </a:p>
@@ -6616,7 +6617,7 @@
           <a:p>
             <a:fld id="{E331444B-B92B-4E27-8C94-BB93EAF5CB18}" type="datetimeFigureOut">
               <a:rPr lang="en-US" dirty="0"/>
-              <a:t>11/4/18</a:t>
+              <a:t>12/3/18</a:t>
             </a:fld>
             <a:endParaRPr lang="en-US" dirty="0"/>
           </a:p>
@@ -7020,7 +7021,7 @@
           <a:p>
             <a:fld id="{363EFA5E-FA76-400D-B3DC-F0BA90E6D107}" type="datetimeFigureOut">
               <a:rPr lang="en-US" dirty="0"/>
-              <a:t>11/4/18</a:t>
+              <a:t>12/3/18</a:t>
             </a:fld>
             <a:endParaRPr lang="en-US" dirty="0"/>
           </a:p>
@@ -7259,7 +7260,7 @@
           <a:p>
             <a:fld id="{9D6E9DEC-419B-4CC5-A080-3B06BD5A8291}" type="datetimeFigureOut">
               <a:rPr lang="en-US" dirty="0"/>
-              <a:t>11/4/18</a:t>
+              <a:t>12/3/18</a:t>
             </a:fld>
             <a:endParaRPr lang="en-US" dirty="0"/>
           </a:p>
@@ -7889,6 +7890,18 @@
             </a:r>
             <a:r>
               <a:rPr lang="en-US" sz="2400" dirty="0"/>
+              <a:t>,</a:t>
+            </a:r>
+            <a:r>
+              <a:rPr lang="en-US" sz="2400" dirty="0">
+                <a:highlight>
+                  <a:srgbClr val="FB31E6"/>
+                </a:highlight>
+              </a:rPr>
+              <a:t> ID</a:t>
+            </a:r>
+            <a:r>
+              <a:rPr lang="en-US" sz="2400" dirty="0"/>
               <a:t>.</a:t>
             </a:r>
           </a:p>
@@ -7947,6 +7960,14 @@
                 </a:highlight>
               </a:rPr>
               <a:t>teamID</a:t>
+            </a:r>
+            <a:r>
+              <a:rPr lang="en-US" sz="2400" dirty="0">
+                <a:highlight>
+                  <a:srgbClr val="FF00FF"/>
+                </a:highlight>
+              </a:rPr>
+              <a:t>, ID</a:t>
             </a:r>
             <a:r>
               <a:rPr lang="en-US" sz="2400" dirty="0"/>
@@ -10582,6 +10603,106 @@
 </p:sld>
 </file>
 
+<file path=ppt/slides/slide8.xml><?xml version="1.0" encoding="utf-8"?>
+<p:sld xmlns:a="http://schemas.openxmlformats.org/drawingml/2006/main" xmlns:r="http://schemas.openxmlformats.org/officeDocument/2006/relationships" xmlns:p="http://schemas.openxmlformats.org/presentationml/2006/main">
+  <p:cSld>
+    <p:spTree>
+      <p:nvGrpSpPr>
+        <p:cNvPr id="1" name=""/>
+        <p:cNvGrpSpPr/>
+        <p:nvPr/>
+      </p:nvGrpSpPr>
+      <p:grpSpPr>
+        <a:xfrm>
+          <a:off x="0" y="0"/>
+          <a:ext cx="0" cy="0"/>
+          <a:chOff x="0" y="0"/>
+          <a:chExt cx="0" cy="0"/>
+        </a:xfrm>
+      </p:grpSpPr>
+      <p:sp>
+        <p:nvSpPr>
+          <p:cNvPr id="2" name="Title 1">
+            <a:extLst>
+              <a:ext uri="{FF2B5EF4-FFF2-40B4-BE49-F238E27FC236}">
+                <a16:creationId xmlns:a16="http://schemas.microsoft.com/office/drawing/2014/main" id="{FF60C67F-A4E2-444F-B70C-42207F13EDF2}"/>
+              </a:ext>
+            </a:extLst>
+          </p:cNvPr>
+          <p:cNvSpPr>
+            <a:spLocks noGrp="1"/>
+          </p:cNvSpPr>
+          <p:nvPr>
+            <p:ph type="title"/>
+          </p:nvPr>
+        </p:nvSpPr>
+        <p:spPr/>
+        <p:txBody>
+          <a:bodyPr/>
+          <a:lstStyle/>
+          <a:p>
+            <a:endParaRPr lang="en-US"/>
+          </a:p>
+        </p:txBody>
+      </p:sp>
+      <p:sp>
+        <p:nvSpPr>
+          <p:cNvPr id="3" name="Content Placeholder 2">
+            <a:extLst>
+              <a:ext uri="{FF2B5EF4-FFF2-40B4-BE49-F238E27FC236}">
+                <a16:creationId xmlns:a16="http://schemas.microsoft.com/office/drawing/2014/main" id="{0F463330-E796-5749-A456-C0451522F3D3}"/>
+              </a:ext>
+            </a:extLst>
+          </p:cNvPr>
+          <p:cNvSpPr>
+            <a:spLocks noGrp="1"/>
+          </p:cNvSpPr>
+          <p:nvPr>
+            <p:ph idx="1"/>
+          </p:nvPr>
+        </p:nvSpPr>
+        <p:spPr/>
+        <p:txBody>
+          <a:bodyPr/>
+          <a:lstStyle/>
+          <a:p>
+            <a:r>
+              <a:rPr lang="en-US" dirty="0" err="1"/>
+              <a:t>courtID</a:t>
+            </a:r>
+            <a:r>
+              <a:rPr lang="en-US" dirty="0"/>
+              <a:t> goes in user table</a:t>
+            </a:r>
+          </a:p>
+          <a:p>
+            <a:r>
+              <a:rPr lang="en-US" dirty="0" err="1"/>
+              <a:t>TeamID</a:t>
+            </a:r>
+            <a:r>
+              <a:rPr lang="en-US" dirty="0"/>
+              <a:t> goes into user table</a:t>
+            </a:r>
+          </a:p>
+          <a:p>
+            <a:endParaRPr lang="en-US" dirty="0"/>
+          </a:p>
+        </p:txBody>
+      </p:sp>
+    </p:spTree>
+    <p:extLst>
+      <p:ext uri="{BB962C8B-B14F-4D97-AF65-F5344CB8AC3E}">
+        <p14:creationId xmlns:p14="http://schemas.microsoft.com/office/powerpoint/2010/main" val="1293779895"/>
+      </p:ext>
+    </p:extLst>
+  </p:cSld>
+  <p:clrMapOvr>
+    <a:masterClrMapping/>
+  </p:clrMapOvr>
+</p:sld>
+</file>
+
 <file path=ppt/theme/theme1.xml><?xml version="1.0" encoding="utf-8"?>
 <a:theme xmlns:a="http://schemas.openxmlformats.org/drawingml/2006/main" name="Berlin">
   <a:themeElements>
